--- a/PrezentationProject/Hacaton_Prezentation.pptx
+++ b/PrezentationProject/Hacaton_Prezentation.pptx
@@ -13284,7 +13284,7 @@
             <a:pPr algn="ctr"/>
             <a:r>
               <a:rPr lang="ru-RU" sz="3600" dirty="0" smtClean="0"/>
-              <a:t>КРОССПЛАТФОРМЕННОЕ ВЕБ-ПРИЛОЖЕНИЕ</a:t>
+              <a:t>ИНФОРМАЦИОННАЯ СИСТЕМА</a:t>
             </a:r>
             <a:r>
               <a:rPr lang="ru-RU" sz="4000" i="1" dirty="0" smtClean="0"/>
@@ -13294,7 +13294,11 @@
               <a:rPr lang="ru-RU" sz="4000" i="1" dirty="0" smtClean="0"/>
             </a:br>
             <a:r>
-              <a:rPr lang="ru-RU" i="1" dirty="0">
+              <a:rPr lang="ru-RU" sz="4000" i="1" dirty="0" smtClean="0"/>
+              <a:t>«</a:t>
+            </a:r>
+            <a:r>
+              <a:rPr lang="en-US" i="1" dirty="0" smtClean="0">
                 <a:solidFill>
                   <a:schemeClr val="tx2">
                     <a:lumMod val="20000"/>
@@ -13309,7 +13313,7 @@
                   </a:outerShdw>
                 </a:effectLst>
               </a:rPr>
-              <a:t>« </a:t>
+              <a:t>h</a:t>
             </a:r>
             <a:r>
               <a:rPr lang="en-US" i="1" dirty="0" smtClean="0">
@@ -13321,10 +13325,10 @@
                   </a:outerShdw>
                 </a:effectLst>
               </a:rPr>
-              <a:t>HOMELESS</a:t>
-            </a:r>
-            <a:r>
-              <a:rPr lang="ru-RU" sz="4000" i="1" dirty="0">
+              <a:t>omeless</a:t>
+            </a:r>
+            <a:r>
+              <a:rPr lang="ru-RU" sz="4000" i="1" dirty="0" smtClean="0">
                 <a:solidFill>
                   <a:schemeClr val="tx2">
                     <a:lumMod val="20000"/>
@@ -13339,25 +13343,7 @@
                   </a:outerShdw>
                 </a:effectLst>
               </a:rPr>
-              <a:t> »</a:t>
-            </a:r>
-            <a:r>
-              <a:rPr lang="ru-RU" sz="4000" i="1" dirty="0" smtClean="0">
-                <a:solidFill>
-                  <a:schemeClr val="tx2">
-                    <a:lumMod val="20000"/>
-                    <a:lumOff val="80000"/>
-                  </a:schemeClr>
-                </a:solidFill>
-                <a:effectLst>
-                  <a:outerShdw blurRad="38100" dist="38100" dir="2700000" algn="tl">
-                    <a:srgbClr val="000000">
-                      <a:alpha val="43137"/>
-                    </a:srgbClr>
-                  </a:outerShdw>
-                </a:effectLst>
-              </a:rPr>
-              <a:t> </a:t>
+              <a:t>» </a:t>
             </a:r>
             <a:endParaRPr lang="ru-RU" sz="4000" i="1" dirty="0">
               <a:effectLst>
@@ -13537,7 +13523,7 @@
                   </a:schemeClr>
                 </a:solidFill>
               </a:rPr>
-              <a:t>HOMELESS</a:t>
+              <a:t>homeless</a:t>
             </a:r>
             <a:r>
               <a:rPr lang="ru-RU" sz="2000" i="1" dirty="0" smtClean="0">
@@ -13789,6 +13775,36 @@
           </a:effectLst>
         </p:spPr>
       </p:pic>
+      <p:pic>
+        <p:nvPicPr>
+          <p:cNvPr id="10" name="Рисунок 9"/>
+          <p:cNvPicPr>
+            <a:picLocks noChangeAspect="1"/>
+          </p:cNvPicPr>
+          <p:nvPr/>
+        </p:nvPicPr>
+        <p:blipFill>
+          <a:blip r:embed="rId4">
+            <a:extLst>
+              <a:ext uri="{28A0092B-C50C-407E-A947-70E740481C1C}">
+                <a14:useLocalDpi xmlns:a14="http://schemas.microsoft.com/office/drawing/2010/main" val="0"/>
+              </a:ext>
+            </a:extLst>
+          </a:blip>
+          <a:stretch>
+            <a:fillRect/>
+          </a:stretch>
+        </p:blipFill>
+        <p:spPr>
+          <a:xfrm rot="19929389">
+            <a:off x="10805731" y="5298807"/>
+            <a:ext cx="1219200" cy="1219200"/>
+          </a:xfrm>
+          <a:prstGeom prst="rect">
+            <a:avLst/>
+          </a:prstGeom>
+        </p:spPr>
+      </p:pic>
     </p:spTree>
     <p:extLst>
       <p:ext uri="{BB962C8B-B14F-4D97-AF65-F5344CB8AC3E}">
@@ -13918,7 +13934,7 @@
             </a:r>
             <a:r>
               <a:rPr lang="ru-RU" dirty="0" smtClean="0"/>
-              <a:t>является – оптимизация процесса помощи бездомным животным и популяризация волонтёрского движения.</a:t>
+              <a:t>является – оптимизация процесса помощи бездомным животным и популяризация волонтёрского движения, а также обезопасить животных от живодеров.</a:t>
             </a:r>
             <a:endParaRPr lang="ru-RU" b="1" dirty="0" smtClean="0"/>
           </a:p>
@@ -13926,17 +13942,13 @@
       </p:sp>
       <p:pic>
         <p:nvPicPr>
-          <p:cNvPr id="4" name="Рисунок 3">
-            <a:extLst>
-              <a:ext uri="{FF2B5EF4-FFF2-40B4-BE49-F238E27FC236}"/>
-            </a:extLst>
-          </p:cNvPr>
+          <p:cNvPr id="5" name="Рисунок 4"/>
           <p:cNvPicPr>
             <a:picLocks noChangeAspect="1"/>
           </p:cNvPicPr>
           <p:nvPr/>
         </p:nvPicPr>
-        <p:blipFill rotWithShape="1">
+        <p:blipFill>
           <a:blip r:embed="rId2">
             <a:extLst>
               <a:ext uri="{28A0092B-C50C-407E-A947-70E740481C1C}">
@@ -13944,30 +13956,138 @@
               </a:ext>
             </a:extLst>
           </a:blip>
-          <a:srcRect l="10586" r="8822" b="20206"/>
-          <a:stretch/>
+          <a:stretch>
+            <a:fillRect/>
+          </a:stretch>
         </p:blipFill>
         <p:spPr>
-          <a:xfrm>
-            <a:off x="10469982" y="5200862"/>
-            <a:ext cx="1266467" cy="1199937"/>
+          <a:xfrm rot="6843153">
+            <a:off x="2713825" y="5447391"/>
+            <a:ext cx="1219200" cy="1219200"/>
           </a:xfrm>
-          <a:prstGeom prst="roundRect">
-            <a:avLst>
-              <a:gd name="adj" fmla="val 8594"/>
-            </a:avLst>
+          <a:prstGeom prst="rect">
+            <a:avLst/>
           </a:prstGeom>
-          <a:solidFill>
-            <a:srgbClr val="FFFFFF">
-              <a:shade val="85000"/>
-            </a:srgbClr>
-          </a:solidFill>
-          <a:ln>
-            <a:noFill/>
-          </a:ln>
-          <a:effectLst>
-            <a:reflection blurRad="12700" stA="38000" endPos="28000" dist="5000" dir="5400000" sy="-100000" algn="bl" rotWithShape="0"/>
-          </a:effectLst>
+        </p:spPr>
+      </p:pic>
+      <p:pic>
+        <p:nvPicPr>
+          <p:cNvPr id="7" name="Рисунок 6"/>
+          <p:cNvPicPr>
+            <a:picLocks noChangeAspect="1"/>
+          </p:cNvPicPr>
+          <p:nvPr/>
+        </p:nvPicPr>
+        <p:blipFill>
+          <a:blip r:embed="rId2">
+            <a:extLst>
+              <a:ext uri="{28A0092B-C50C-407E-A947-70E740481C1C}">
+                <a14:useLocalDpi xmlns:a14="http://schemas.microsoft.com/office/drawing/2010/main" val="0"/>
+              </a:ext>
+            </a:extLst>
+          </a:blip>
+          <a:stretch>
+            <a:fillRect/>
+          </a:stretch>
+        </p:blipFill>
+        <p:spPr>
+          <a:xfrm rot="3890638">
+            <a:off x="963315" y="4703713"/>
+            <a:ext cx="1219200" cy="1219200"/>
+          </a:xfrm>
+          <a:prstGeom prst="rect">
+            <a:avLst/>
+          </a:prstGeom>
+        </p:spPr>
+      </p:pic>
+      <p:pic>
+        <p:nvPicPr>
+          <p:cNvPr id="8" name="Рисунок 7"/>
+          <p:cNvPicPr>
+            <a:picLocks noChangeAspect="1"/>
+          </p:cNvPicPr>
+          <p:nvPr/>
+        </p:nvPicPr>
+        <p:blipFill>
+          <a:blip r:embed="rId2">
+            <a:extLst>
+              <a:ext uri="{28A0092B-C50C-407E-A947-70E740481C1C}">
+                <a14:useLocalDpi xmlns:a14="http://schemas.microsoft.com/office/drawing/2010/main" val="0"/>
+              </a:ext>
+            </a:extLst>
+          </a:blip>
+          <a:stretch>
+            <a:fillRect/>
+          </a:stretch>
+        </p:blipFill>
+        <p:spPr>
+          <a:xfrm rot="4423233">
+            <a:off x="4520214" y="4654157"/>
+            <a:ext cx="1219200" cy="1219200"/>
+          </a:xfrm>
+          <a:prstGeom prst="rect">
+            <a:avLst/>
+          </a:prstGeom>
+        </p:spPr>
+      </p:pic>
+      <p:pic>
+        <p:nvPicPr>
+          <p:cNvPr id="9" name="Рисунок 8"/>
+          <p:cNvPicPr>
+            <a:picLocks noChangeAspect="1"/>
+          </p:cNvPicPr>
+          <p:nvPr/>
+        </p:nvPicPr>
+        <p:blipFill>
+          <a:blip r:embed="rId2">
+            <a:extLst>
+              <a:ext uri="{28A0092B-C50C-407E-A947-70E740481C1C}">
+                <a14:useLocalDpi xmlns:a14="http://schemas.microsoft.com/office/drawing/2010/main" val="0"/>
+              </a:ext>
+            </a:extLst>
+          </a:blip>
+          <a:stretch>
+            <a:fillRect/>
+          </a:stretch>
+        </p:blipFill>
+        <p:spPr>
+          <a:xfrm rot="6357089">
+            <a:off x="6425494" y="5514626"/>
+            <a:ext cx="1219200" cy="1219200"/>
+          </a:xfrm>
+          <a:prstGeom prst="rect">
+            <a:avLst/>
+          </a:prstGeom>
+        </p:spPr>
+      </p:pic>
+      <p:pic>
+        <p:nvPicPr>
+          <p:cNvPr id="10" name="Рисунок 9"/>
+          <p:cNvPicPr>
+            <a:picLocks noChangeAspect="1"/>
+          </p:cNvPicPr>
+          <p:nvPr/>
+        </p:nvPicPr>
+        <p:blipFill>
+          <a:blip r:embed="rId2">
+            <a:extLst>
+              <a:ext uri="{28A0092B-C50C-407E-A947-70E740481C1C}">
+                <a14:useLocalDpi xmlns:a14="http://schemas.microsoft.com/office/drawing/2010/main" val="0"/>
+              </a:ext>
+            </a:extLst>
+          </a:blip>
+          <a:stretch>
+            <a:fillRect/>
+          </a:stretch>
+        </p:blipFill>
+        <p:spPr>
+          <a:xfrm rot="3988955">
+            <a:off x="8231353" y="4712413"/>
+            <a:ext cx="1219200" cy="1219200"/>
+          </a:xfrm>
+          <a:prstGeom prst="rect">
+            <a:avLst/>
+          </a:prstGeom>
         </p:spPr>
       </p:pic>
     </p:spTree>
@@ -14118,7 +14238,7 @@
             </a:r>
             <a:r>
               <a:rPr lang="ru-RU" dirty="0" smtClean="0"/>
-              <a:t>на основе этих моделей создавал базу данных с соответствующим моделям таблицами.  Далее разрабатывались контроллеры, реализующие </a:t>
+              <a:t>на основе этих моделей сгенерировал базу данных с соответствующим моделям таблицами.  Далее разрабатывались контроллеры, реализующие </a:t>
             </a:r>
             <a:r>
               <a:rPr lang="en-US" dirty="0" smtClean="0"/>
@@ -14158,32 +14278,20 @@
             </a:r>
             <a:r>
               <a:rPr lang="ru-RU" dirty="0" smtClean="0"/>
-              <a:t>запросы с помощью </a:t>
-            </a:r>
-            <a:r>
-              <a:rPr lang="en-US" dirty="0" smtClean="0"/>
-              <a:t>jQuery</a:t>
-            </a:r>
-            <a:r>
-              <a:rPr lang="ru-RU" dirty="0" smtClean="0"/>
-              <a:t>. </a:t>
+              <a:t>запросы. </a:t>
             </a:r>
           </a:p>
         </p:txBody>
       </p:sp>
       <p:pic>
         <p:nvPicPr>
-          <p:cNvPr id="4" name="Рисунок 3">
-            <a:extLst>
-              <a:ext uri="{FF2B5EF4-FFF2-40B4-BE49-F238E27FC236}"/>
-            </a:extLst>
-          </p:cNvPr>
+          <p:cNvPr id="5" name="Рисунок 4"/>
           <p:cNvPicPr>
             <a:picLocks noChangeAspect="1"/>
           </p:cNvPicPr>
           <p:nvPr/>
         </p:nvPicPr>
-        <p:blipFill rotWithShape="1">
+        <p:blipFill>
           <a:blip r:embed="rId2">
             <a:extLst>
               <a:ext uri="{28A0092B-C50C-407E-A947-70E740481C1C}">
@@ -14191,30 +14299,18 @@
               </a:ext>
             </a:extLst>
           </a:blip>
-          <a:srcRect l="10586" r="8822" b="20206"/>
-          <a:stretch/>
+          <a:stretch>
+            <a:fillRect/>
+          </a:stretch>
         </p:blipFill>
         <p:spPr>
-          <a:xfrm>
-            <a:off x="10419027" y="5079839"/>
-            <a:ext cx="1266467" cy="1199937"/>
+          <a:xfrm rot="3529574">
+            <a:off x="969968" y="5411275"/>
+            <a:ext cx="1219200" cy="1219200"/>
           </a:xfrm>
-          <a:prstGeom prst="roundRect">
-            <a:avLst>
-              <a:gd name="adj" fmla="val 8594"/>
-            </a:avLst>
+          <a:prstGeom prst="rect">
+            <a:avLst/>
           </a:prstGeom>
-          <a:solidFill>
-            <a:srgbClr val="FFFFFF">
-              <a:shade val="85000"/>
-            </a:srgbClr>
-          </a:solidFill>
-          <a:ln>
-            <a:noFill/>
-          </a:ln>
-          <a:effectLst>
-            <a:reflection blurRad="12700" stA="38000" endPos="28000" dist="5000" dir="5400000" sy="-100000" algn="bl" rotWithShape="0"/>
-          </a:effectLst>
         </p:spPr>
       </p:pic>
     </p:spTree>
@@ -14295,7 +14391,7 @@
         <p:spPr>
           <a:xfrm>
             <a:off x="482601" y="2563159"/>
-            <a:ext cx="11256681" cy="3416300"/>
+            <a:ext cx="5124823" cy="3416300"/>
           </a:xfrm>
         </p:spPr>
         <p:txBody>
@@ -14316,37 +14412,48 @@
             </a:pPr>
             <a:r>
               <a:rPr lang="ru-RU" dirty="0" smtClean="0"/>
-              <a:t>веб-приложения является возможность поиска</a:t>
-            </a:r>
+              <a:t>веб-приложения является возможность </a:t>
+            </a:r>
+            <a:endParaRPr lang="en-US" dirty="0" smtClean="0"/>
           </a:p>
           <a:p>
             <a:pPr marL="0" indent="0">
               <a:buNone/>
             </a:pPr>
             <a:r>
-              <a:rPr lang="ru-RU" dirty="0"/>
-              <a:t>н</a:t>
-            </a:r>
-            <a:r>
               <a:rPr lang="ru-RU" dirty="0" smtClean="0"/>
-              <a:t>ового дома для бездомных животных.</a:t>
+              <a:t>поиска</a:t>
+            </a:r>
+            <a:r>
+              <a:rPr lang="en-US" dirty="0" smtClean="0"/>
+              <a:t> </a:t>
+            </a:r>
+            <a:r>
+              <a:rPr lang="ru-RU" dirty="0" smtClean="0"/>
+              <a:t>нового дома для бездомных </a:t>
+            </a:r>
+            <a:endParaRPr lang="en-US" dirty="0" smtClean="0"/>
+          </a:p>
+          <a:p>
+            <a:pPr marL="0" indent="0">
+              <a:buNone/>
+            </a:pPr>
+            <a:r>
+              <a:rPr lang="ru-RU" dirty="0" smtClean="0"/>
+              <a:t>животных.</a:t>
             </a:r>
           </a:p>
         </p:txBody>
       </p:sp>
       <p:pic>
         <p:nvPicPr>
-          <p:cNvPr id="8" name="Рисунок 7">
-            <a:extLst>
-              <a:ext uri="{FF2B5EF4-FFF2-40B4-BE49-F238E27FC236}"/>
-            </a:extLst>
-          </p:cNvPr>
+          <p:cNvPr id="20" name="Рисунок 19"/>
           <p:cNvPicPr>
             <a:picLocks noChangeAspect="1"/>
           </p:cNvPicPr>
           <p:nvPr/>
         </p:nvPicPr>
-        <p:blipFill rotWithShape="1">
+        <p:blipFill>
           <a:blip r:embed="rId2">
             <a:extLst>
               <a:ext uri="{28A0092B-C50C-407E-A947-70E740481C1C}">
@@ -14354,13 +14461,14 @@
               </a:ext>
             </a:extLst>
           </a:blip>
-          <a:srcRect l="10586" r="8822" b="20206"/>
-          <a:stretch/>
+          <a:stretch>
+            <a:fillRect/>
+          </a:stretch>
         </p:blipFill>
         <p:spPr>
           <a:xfrm>
-            <a:off x="10472815" y="5379490"/>
-            <a:ext cx="1266467" cy="1199937"/>
+            <a:off x="5737954" y="2323430"/>
+            <a:ext cx="6238295" cy="3092237"/>
           </a:xfrm>
           <a:prstGeom prst="roundRect">
             <a:avLst>
@@ -14382,7 +14490,7 @@
       </p:pic>
       <p:pic>
         <p:nvPicPr>
-          <p:cNvPr id="16" name="Рисунок 15"/>
+          <p:cNvPr id="21" name="Рисунок 20"/>
           <p:cNvPicPr>
             <a:picLocks noChangeAspect="1"/>
           </p:cNvPicPr>
@@ -14401,26 +14509,43 @@
           </a:stretch>
         </p:blipFill>
         <p:spPr>
-          <a:xfrm>
-            <a:off x="6165990" y="1963191"/>
-            <a:ext cx="5828787" cy="2864224"/>
+          <a:xfrm rot="1691848">
+            <a:off x="4386858" y="4445828"/>
+            <a:ext cx="1219200" cy="1219200"/>
           </a:xfrm>
-          <a:prstGeom prst="roundRect">
-            <a:avLst>
-              <a:gd name="adj" fmla="val 8594"/>
-            </a:avLst>
+          <a:prstGeom prst="rect">
+            <a:avLst/>
           </a:prstGeom>
-          <a:solidFill>
-            <a:srgbClr val="FFFFFF">
-              <a:shade val="85000"/>
-            </a:srgbClr>
-          </a:solidFill>
-          <a:ln>
-            <a:noFill/>
-          </a:ln>
-          <a:effectLst>
-            <a:reflection blurRad="12700" stA="38000" endPos="28000" dist="5000" dir="5400000" sy="-100000" algn="bl" rotWithShape="0"/>
-          </a:effectLst>
+        </p:spPr>
+      </p:pic>
+      <p:pic>
+        <p:nvPicPr>
+          <p:cNvPr id="22" name="Рисунок 21"/>
+          <p:cNvPicPr>
+            <a:picLocks noChangeAspect="1"/>
+          </p:cNvPicPr>
+          <p:nvPr/>
+        </p:nvPicPr>
+        <p:blipFill>
+          <a:blip r:embed="rId3">
+            <a:extLst>
+              <a:ext uri="{28A0092B-C50C-407E-A947-70E740481C1C}">
+                <a14:useLocalDpi xmlns:a14="http://schemas.microsoft.com/office/drawing/2010/main" val="0"/>
+              </a:ext>
+            </a:extLst>
+          </a:blip>
+          <a:stretch>
+            <a:fillRect/>
+          </a:stretch>
+        </p:blipFill>
+        <p:spPr>
+          <a:xfrm rot="20064252">
+            <a:off x="626660" y="5369858"/>
+            <a:ext cx="1219200" cy="1219200"/>
+          </a:xfrm>
+          <a:prstGeom prst="rect">
+            <a:avLst/>
+          </a:prstGeom>
         </p:spPr>
       </p:pic>
     </p:spTree>
@@ -14543,17 +14668,13 @@
       </p:sp>
       <p:pic>
         <p:nvPicPr>
-          <p:cNvPr id="8" name="Рисунок 7">
-            <a:extLst>
-              <a:ext uri="{FF2B5EF4-FFF2-40B4-BE49-F238E27FC236}"/>
-            </a:extLst>
-          </p:cNvPr>
+          <p:cNvPr id="10" name="Рисунок 9"/>
           <p:cNvPicPr>
             <a:picLocks noChangeAspect="1"/>
           </p:cNvPicPr>
           <p:nvPr/>
         </p:nvPicPr>
-        <p:blipFill rotWithShape="1">
+        <p:blipFill>
           <a:blip r:embed="rId2">
             <a:extLst>
               <a:ext uri="{28A0092B-C50C-407E-A947-70E740481C1C}">
@@ -14561,35 +14682,53 @@
               </a:ext>
             </a:extLst>
           </a:blip>
-          <a:srcRect l="10586" r="8822" b="20206"/>
-          <a:stretch/>
+          <a:stretch>
+            <a:fillRect/>
+          </a:stretch>
         </p:blipFill>
         <p:spPr>
-          <a:xfrm>
-            <a:off x="10405580" y="5379490"/>
-            <a:ext cx="1266467" cy="1199937"/>
+          <a:xfrm rot="1953620">
+            <a:off x="2982348" y="3567443"/>
+            <a:ext cx="1219200" cy="1219200"/>
           </a:xfrm>
-          <a:prstGeom prst="roundRect">
-            <a:avLst>
-              <a:gd name="adj" fmla="val 8594"/>
-            </a:avLst>
+          <a:prstGeom prst="rect">
+            <a:avLst/>
           </a:prstGeom>
-          <a:solidFill>
-            <a:srgbClr val="FFFFFF">
-              <a:shade val="85000"/>
-            </a:srgbClr>
-          </a:solidFill>
-          <a:ln>
-            <a:noFill/>
-          </a:ln>
-          <a:effectLst>
-            <a:reflection blurRad="12700" stA="38000" endPos="28000" dist="5000" dir="5400000" sy="-100000" algn="bl" rotWithShape="0"/>
-          </a:effectLst>
         </p:spPr>
       </p:pic>
       <p:pic>
         <p:nvPicPr>
-          <p:cNvPr id="9" name="Рисунок 8"/>
+          <p:cNvPr id="11" name="Рисунок 10"/>
+          <p:cNvPicPr>
+            <a:picLocks noChangeAspect="1"/>
+          </p:cNvPicPr>
+          <p:nvPr/>
+        </p:nvPicPr>
+        <p:blipFill>
+          <a:blip r:embed="rId2">
+            <a:extLst>
+              <a:ext uri="{28A0092B-C50C-407E-A947-70E740481C1C}">
+                <a14:useLocalDpi xmlns:a14="http://schemas.microsoft.com/office/drawing/2010/main" val="0"/>
+              </a:ext>
+            </a:extLst>
+          </a:blip>
+          <a:stretch>
+            <a:fillRect/>
+          </a:stretch>
+        </p:blipFill>
+        <p:spPr>
+          <a:xfrm rot="6357089">
+            <a:off x="626660" y="5494741"/>
+            <a:ext cx="1219200" cy="1219200"/>
+          </a:xfrm>
+          <a:prstGeom prst="rect">
+            <a:avLst/>
+          </a:prstGeom>
+        </p:spPr>
+      </p:pic>
+      <p:pic>
+        <p:nvPicPr>
+          <p:cNvPr id="13" name="Рисунок 12"/>
           <p:cNvPicPr>
             <a:picLocks noChangeAspect="1"/>
           </p:cNvPicPr>
@@ -14609,8 +14748,8 @@
         </p:blipFill>
         <p:spPr>
           <a:xfrm>
-            <a:off x="4769990" y="1831904"/>
-            <a:ext cx="6633116" cy="3187005"/>
+            <a:off x="4639618" y="2200088"/>
+            <a:ext cx="7317361" cy="3515763"/>
           </a:xfrm>
           <a:prstGeom prst="roundRect">
             <a:avLst>
